--- a/1 - Apresentações/11 - Parâmetros populacionais e estatísticas amostrais.pptx
+++ b/1 - Apresentações/11 - Parâmetros populacionais e estatísticas amostrais.pptx
@@ -208,7 +208,7 @@
           <a:p>
             <a:fld id="{FFDE6BF8-7BF5-4FD2-800A-095DD1FBABFA}" type="datetimeFigureOut">
               <a:rPr lang="en-US" smtClean="0"/>
-              <a:t>6/3/2021</a:t>
+              <a:t>6/14/2021</a:t>
             </a:fld>
             <a:endParaRPr lang="en-US"/>
           </a:p>
@@ -9268,7 +9268,7 @@
           <a:p>
             <a:fld id="{996575A8-C9FE-43AE-BD09-655C64792F71}" type="datetimeFigureOut">
               <a:rPr lang="en-US" smtClean="0"/>
-              <a:t>6/3/2021</a:t>
+              <a:t>6/14/2021</a:t>
             </a:fld>
             <a:endParaRPr lang="en-US"/>
           </a:p>
@@ -9475,7 +9475,7 @@
           <a:p>
             <a:fld id="{996575A8-C9FE-43AE-BD09-655C64792F71}" type="datetimeFigureOut">
               <a:rPr lang="en-US" smtClean="0"/>
-              <a:t>6/3/2021</a:t>
+              <a:t>6/14/2021</a:t>
             </a:fld>
             <a:endParaRPr lang="en-US"/>
           </a:p>
@@ -9655,7 +9655,7 @@
           <a:p>
             <a:fld id="{996575A8-C9FE-43AE-BD09-655C64792F71}" type="datetimeFigureOut">
               <a:rPr lang="en-US" smtClean="0"/>
-              <a:t>6/3/2021</a:t>
+              <a:t>6/14/2021</a:t>
             </a:fld>
             <a:endParaRPr lang="en-US"/>
           </a:p>
@@ -9860,7 +9860,7 @@
           <a:p>
             <a:fld id="{996575A8-C9FE-43AE-BD09-655C64792F71}" type="datetimeFigureOut">
               <a:rPr lang="en-US" smtClean="0"/>
-              <a:t>6/3/2021</a:t>
+              <a:t>6/14/2021</a:t>
             </a:fld>
             <a:endParaRPr lang="en-US"/>
           </a:p>
@@ -18758,7 +18758,7 @@
           <a:p>
             <a:fld id="{996575A8-C9FE-43AE-BD09-655C64792F71}" type="datetimeFigureOut">
               <a:rPr lang="en-US" smtClean="0"/>
-              <a:t>6/3/2021</a:t>
+              <a:t>6/14/2021</a:t>
             </a:fld>
             <a:endParaRPr lang="en-US"/>
           </a:p>
@@ -19032,7 +19032,7 @@
           <a:p>
             <a:fld id="{996575A8-C9FE-43AE-BD09-655C64792F71}" type="datetimeFigureOut">
               <a:rPr lang="en-US" smtClean="0"/>
-              <a:t>6/3/2021</a:t>
+              <a:t>6/14/2021</a:t>
             </a:fld>
             <a:endParaRPr lang="en-US"/>
           </a:p>
@@ -19430,7 +19430,7 @@
           <a:p>
             <a:fld id="{996575A8-C9FE-43AE-BD09-655C64792F71}" type="datetimeFigureOut">
               <a:rPr lang="en-US" smtClean="0"/>
-              <a:t>6/3/2021</a:t>
+              <a:t>6/14/2021</a:t>
             </a:fld>
             <a:endParaRPr lang="en-US"/>
           </a:p>
@@ -19548,7 +19548,7 @@
           <a:p>
             <a:fld id="{996575A8-C9FE-43AE-BD09-655C64792F71}" type="datetimeFigureOut">
               <a:rPr lang="en-US" smtClean="0"/>
-              <a:t>6/3/2021</a:t>
+              <a:t>6/14/2021</a:t>
             </a:fld>
             <a:endParaRPr lang="en-US"/>
           </a:p>
@@ -19643,7 +19643,7 @@
           <a:p>
             <a:fld id="{996575A8-C9FE-43AE-BD09-655C64792F71}" type="datetimeFigureOut">
               <a:rPr lang="en-US" smtClean="0"/>
-              <a:t>6/3/2021</a:t>
+              <a:t>6/14/2021</a:t>
             </a:fld>
             <a:endParaRPr lang="en-US"/>
           </a:p>
@@ -19933,7 +19933,7 @@
           <a:p>
             <a:fld id="{996575A8-C9FE-43AE-BD09-655C64792F71}" type="datetimeFigureOut">
               <a:rPr lang="en-US" smtClean="0"/>
-              <a:t>6/3/2021</a:t>
+              <a:t>6/14/2021</a:t>
             </a:fld>
             <a:endParaRPr lang="en-US"/>
           </a:p>
@@ -20213,7 +20213,7 @@
           <a:p>
             <a:fld id="{996575A8-C9FE-43AE-BD09-655C64792F71}" type="datetimeFigureOut">
               <a:rPr lang="en-US" smtClean="0"/>
-              <a:t>6/3/2021</a:t>
+              <a:t>6/14/2021</a:t>
             </a:fld>
             <a:endParaRPr lang="en-US"/>
           </a:p>
@@ -20463,7 +20463,7 @@
           <a:p>
             <a:fld id="{996575A8-C9FE-43AE-BD09-655C64792F71}" type="datetimeFigureOut">
               <a:rPr lang="en-US" smtClean="0"/>
-              <a:t>6/3/2021</a:t>
+              <a:t>6/14/2021</a:t>
             </a:fld>
             <a:endParaRPr lang="en-US"/>
           </a:p>
@@ -21053,8 +21053,8 @@
           <a:chExt cx="0" cy="0"/>
         </a:xfrm>
       </p:grpSpPr>
-      <mc:AlternateContent xmlns:mc="http://schemas.openxmlformats.org/markup-compatibility/2006">
-        <mc:Choice xmlns:a14="http://schemas.microsoft.com/office/drawing/2010/main" Requires="a14">
+      <mc:AlternateContent xmlns:mc="http://schemas.openxmlformats.org/markup-compatibility/2006" xmlns:a14="http://schemas.microsoft.com/office/drawing/2010/main">
+        <mc:Choice Requires="a14">
           <p:sp>
             <p:nvSpPr>
               <p:cNvPr id="2" name="Title 1">
@@ -21174,7 +21174,7 @@
             </p:txBody>
           </p:sp>
         </mc:Choice>
-        <mc:Fallback>
+        <mc:Fallback xmlns="">
           <p:sp>
             <p:nvSpPr>
               <p:cNvPr id="2" name="Title 1">
@@ -21214,8 +21214,8 @@
           </p:sp>
         </mc:Fallback>
       </mc:AlternateContent>
-      <mc:AlternateContent xmlns:mc="http://schemas.openxmlformats.org/markup-compatibility/2006">
-        <mc:Choice xmlns:a14="http://schemas.microsoft.com/office/drawing/2010/main" Requires="a14">
+      <mc:AlternateContent xmlns:mc="http://schemas.openxmlformats.org/markup-compatibility/2006" xmlns:a14="http://schemas.microsoft.com/office/drawing/2010/main">
+        <mc:Choice Requires="a14">
           <p:sp>
             <p:nvSpPr>
               <p:cNvPr id="3" name="Content Placeholder 2">
@@ -21491,7 +21491,7 @@
             </p:txBody>
           </p:sp>
         </mc:Choice>
-        <mc:Fallback>
+        <mc:Fallback xmlns="">
           <p:sp>
             <p:nvSpPr>
               <p:cNvPr id="3" name="Content Placeholder 2">
@@ -21614,8 +21614,8 @@
           </a:p>
         </p:txBody>
       </p:sp>
-      <mc:AlternateContent xmlns:mc="http://schemas.openxmlformats.org/markup-compatibility/2006">
-        <mc:Choice xmlns:a14="http://schemas.microsoft.com/office/drawing/2010/main" Requires="a14">
+      <mc:AlternateContent xmlns:mc="http://schemas.openxmlformats.org/markup-compatibility/2006" xmlns:a14="http://schemas.microsoft.com/office/drawing/2010/main">
+        <mc:Choice Requires="a14">
           <p:sp>
             <p:nvSpPr>
               <p:cNvPr id="3" name="Content Placeholder 2">
@@ -21656,7 +21656,7 @@
                       <m:limLow>
                         <m:limLowPr>
                           <m:ctrlPr>
-                            <a:rPr lang="en-US" sz="3600" b="0" i="0" smtClean="0">
+                            <a:rPr lang="en-US" sz="3600" b="0" i="1" smtClean="0">
                               <a:latin typeface="Cambria Math" panose="02040503050406030204" pitchFamily="18" charset="0"/>
                             </a:rPr>
                           </m:ctrlPr>
@@ -21739,7 +21739,7 @@
             </p:txBody>
           </p:sp>
         </mc:Choice>
-        <mc:Fallback>
+        <mc:Fallback xmlns="">
           <p:sp>
             <p:nvSpPr>
               <p:cNvPr id="3" name="Content Placeholder 2">
@@ -21809,8 +21809,8 @@
           <a:chExt cx="0" cy="0"/>
         </a:xfrm>
       </p:grpSpPr>
-      <mc:AlternateContent xmlns:mc="http://schemas.openxmlformats.org/markup-compatibility/2006">
-        <mc:Choice xmlns:a14="http://schemas.microsoft.com/office/drawing/2010/main" Requires="a14">
+      <mc:AlternateContent xmlns:mc="http://schemas.openxmlformats.org/markup-compatibility/2006" xmlns:a14="http://schemas.microsoft.com/office/drawing/2010/main">
+        <mc:Choice Requires="a14">
           <p:sp>
             <p:nvSpPr>
               <p:cNvPr id="2" name="Title 1">
@@ -21930,7 +21930,7 @@
             </p:txBody>
           </p:sp>
         </mc:Choice>
-        <mc:Fallback>
+        <mc:Fallback xmlns="">
           <p:sp>
             <p:nvSpPr>
               <p:cNvPr id="2" name="Title 1">
@@ -21970,8 +21970,8 @@
           </p:sp>
         </mc:Fallback>
       </mc:AlternateContent>
-      <mc:AlternateContent xmlns:mc="http://schemas.openxmlformats.org/markup-compatibility/2006">
-        <mc:Choice xmlns:a14="http://schemas.microsoft.com/office/drawing/2010/main" Requires="a14">
+      <mc:AlternateContent xmlns:mc="http://schemas.openxmlformats.org/markup-compatibility/2006" xmlns:a14="http://schemas.microsoft.com/office/drawing/2010/main">
+        <mc:Choice Requires="a14">
           <p:sp>
             <p:nvSpPr>
               <p:cNvPr id="3" name="Content Placeholder 2">
@@ -22405,13 +22405,7 @@
                                 <a:rPr lang="en-US" b="0" i="1" smtClean="0">
                                   <a:latin typeface="Cambria Math" panose="02040503050406030204" pitchFamily="18" charset="0"/>
                                 </a:rPr>
-                                <m:t>→+</m:t>
-                              </m:r>
-                              <m:r>
-                                <a:rPr lang="en-US" b="0" i="1" smtClean="0">
-                                  <a:latin typeface="Cambria Math" panose="02040503050406030204" pitchFamily="18" charset="0"/>
-                                </a:rPr>
-                                <m:t>∞</m:t>
+                                <m:t>→+∞</m:t>
                               </m:r>
                             </m:lim>
                           </m:limLow>
@@ -22467,13 +22461,7 @@
                         <a:rPr lang="en-US" b="0" i="1" smtClean="0">
                           <a:latin typeface="Cambria Math" panose="02040503050406030204" pitchFamily="18" charset="0"/>
                         </a:rPr>
-                        <m:t>=</m:t>
-                      </m:r>
-                      <m:r>
-                        <a:rPr lang="en-US" b="0" i="1" smtClean="0">
-                          <a:latin typeface="Cambria Math" panose="02040503050406030204" pitchFamily="18" charset="0"/>
-                        </a:rPr>
-                        <m:t>0</m:t>
+                        <m:t>=0</m:t>
                       </m:r>
                     </m:oMath>
                   </m:oMathPara>
@@ -22492,7 +22480,7 @@
             </p:txBody>
           </p:sp>
         </mc:Choice>
-        <mc:Fallback>
+        <mc:Fallback xmlns="">
           <p:sp>
             <p:nvSpPr>
               <p:cNvPr id="3" name="Content Placeholder 2">
@@ -22837,8 +22825,8 @@
           </a:p>
         </p:txBody>
       </p:sp>
-      <mc:AlternateContent xmlns:mc="http://schemas.openxmlformats.org/markup-compatibility/2006">
-        <mc:Choice xmlns:a14="http://schemas.microsoft.com/office/drawing/2010/main" Requires="a14">
+      <mc:AlternateContent xmlns:mc="http://schemas.openxmlformats.org/markup-compatibility/2006" xmlns:a14="http://schemas.microsoft.com/office/drawing/2010/main">
+        <mc:Choice Requires="a14">
           <p:sp>
             <p:nvSpPr>
               <p:cNvPr id="9" name="CaixaDeTexto 44">
@@ -22867,6 +22855,7 @@
               </a:bodyPr>
               <a:lstStyle/>
               <a:p>
+                <a:pPr/>
                 <a14:m>
                   <m:oMathPara xmlns:m="http://schemas.openxmlformats.org/officeDocument/2006/math">
                     <m:oMathParaPr>
@@ -22914,7 +22903,7 @@
             </p:txBody>
           </p:sp>
         </mc:Choice>
-        <mc:Fallback>
+        <mc:Fallback xmlns="">
           <p:sp>
             <p:nvSpPr>
               <p:cNvPr id="9" name="CaixaDeTexto 44">
@@ -23260,8 +23249,8 @@
           </a:p>
         </p:txBody>
       </p:sp>
-      <mc:AlternateContent xmlns:mc="http://schemas.openxmlformats.org/markup-compatibility/2006">
-        <mc:Choice xmlns:a14="http://schemas.microsoft.com/office/drawing/2010/main" Requires="a14">
+      <mc:AlternateContent xmlns:mc="http://schemas.openxmlformats.org/markup-compatibility/2006" xmlns:a14="http://schemas.microsoft.com/office/drawing/2010/main">
+        <mc:Choice Requires="a14">
           <p:sp>
             <p:nvSpPr>
               <p:cNvPr id="9" name="CaixaDeTexto 44">
@@ -23290,6 +23279,7 @@
               </a:bodyPr>
               <a:lstStyle/>
               <a:p>
+                <a:pPr/>
                 <a14:m>
                   <m:oMathPara xmlns:m="http://schemas.openxmlformats.org/officeDocument/2006/math">
                     <m:oMathParaPr>
@@ -23337,7 +23327,7 @@
             </p:txBody>
           </p:sp>
         </mc:Choice>
-        <mc:Fallback>
+        <mc:Fallback xmlns="">
           <p:sp>
             <p:nvSpPr>
               <p:cNvPr id="9" name="CaixaDeTexto 44">
@@ -23627,8 +23617,8 @@
           </a:p>
         </p:txBody>
       </p:sp>
-      <mc:AlternateContent xmlns:mc="http://schemas.openxmlformats.org/markup-compatibility/2006">
-        <mc:Choice xmlns:a14="http://schemas.microsoft.com/office/drawing/2010/main" Requires="a14">
+      <mc:AlternateContent xmlns:mc="http://schemas.openxmlformats.org/markup-compatibility/2006" xmlns:a14="http://schemas.microsoft.com/office/drawing/2010/main">
+        <mc:Choice Requires="a14">
           <p:sp>
             <p:nvSpPr>
               <p:cNvPr id="16" name="Rectangle 15">
@@ -23769,7 +23759,7 @@
             </p:txBody>
           </p:sp>
         </mc:Choice>
-        <mc:Fallback>
+        <mc:Fallback xmlns="">
           <p:sp>
             <p:nvSpPr>
               <p:cNvPr id="16" name="Rectangle 15">
@@ -25008,8 +24998,8 @@
           </a:p>
         </p:txBody>
       </p:sp>
-      <mc:AlternateContent xmlns:mc="http://schemas.openxmlformats.org/markup-compatibility/2006">
-        <mc:Choice xmlns:a14="http://schemas.microsoft.com/office/drawing/2010/main" Requires="a14">
+      <mc:AlternateContent xmlns:mc="http://schemas.openxmlformats.org/markup-compatibility/2006" xmlns:a14="http://schemas.microsoft.com/office/drawing/2010/main">
+        <mc:Choice Requires="a14">
           <p:sp>
             <p:nvSpPr>
               <p:cNvPr id="9" name="CaixaDeTexto 44">
@@ -25038,6 +25028,7 @@
               </a:bodyPr>
               <a:lstStyle/>
               <a:p>
+                <a:pPr/>
                 <a14:m>
                   <m:oMathPara xmlns:m="http://schemas.openxmlformats.org/officeDocument/2006/math">
                     <m:oMathParaPr>
@@ -25085,7 +25076,7 @@
             </p:txBody>
           </p:sp>
         </mc:Choice>
-        <mc:Fallback>
+        <mc:Fallback xmlns="">
           <p:sp>
             <p:nvSpPr>
               <p:cNvPr id="9" name="CaixaDeTexto 44">
@@ -25506,8 +25497,8 @@
           </a:p>
         </p:txBody>
       </p:sp>
-      <mc:AlternateContent xmlns:mc="http://schemas.openxmlformats.org/markup-compatibility/2006">
-        <mc:Choice xmlns:a14="http://schemas.microsoft.com/office/drawing/2010/main" Requires="a14">
+      <mc:AlternateContent xmlns:mc="http://schemas.openxmlformats.org/markup-compatibility/2006" xmlns:a14="http://schemas.microsoft.com/office/drawing/2010/main">
+        <mc:Choice Requires="a14">
           <p:sp>
             <p:nvSpPr>
               <p:cNvPr id="18" name="Retângulo 53">
@@ -25642,7 +25633,7 @@
             </p:txBody>
           </p:sp>
         </mc:Choice>
-        <mc:Fallback>
+        <mc:Fallback xmlns="">
           <p:sp>
             <p:nvSpPr>
               <p:cNvPr id="18" name="Retângulo 53">
@@ -25794,8 +25785,8 @@
           </a:p>
         </p:txBody>
       </p:sp>
-      <mc:AlternateContent xmlns:mc="http://schemas.openxmlformats.org/markup-compatibility/2006">
-        <mc:Choice xmlns:a14="http://schemas.microsoft.com/office/drawing/2010/main" Requires="a14">
+      <mc:AlternateContent xmlns:mc="http://schemas.openxmlformats.org/markup-compatibility/2006" xmlns:a14="http://schemas.microsoft.com/office/drawing/2010/main">
+        <mc:Choice Requires="a14">
           <p:sp>
             <p:nvSpPr>
               <p:cNvPr id="21" name="Retângulo 56">
@@ -25934,7 +25925,7 @@
             </p:txBody>
           </p:sp>
         </mc:Choice>
-        <mc:Fallback>
+        <mc:Fallback xmlns="">
           <p:sp>
             <p:nvSpPr>
               <p:cNvPr id="21" name="Retângulo 56">
@@ -26086,8 +26077,8 @@
           </a:p>
         </p:txBody>
       </p:sp>
-      <mc:AlternateContent xmlns:mc="http://schemas.openxmlformats.org/markup-compatibility/2006">
-        <mc:Choice xmlns:a14="http://schemas.microsoft.com/office/drawing/2010/main" Requires="a14">
+      <mc:AlternateContent xmlns:mc="http://schemas.openxmlformats.org/markup-compatibility/2006" xmlns:a14="http://schemas.microsoft.com/office/drawing/2010/main">
+        <mc:Choice Requires="a14">
           <p:sp>
             <p:nvSpPr>
               <p:cNvPr id="24" name="Retângulo 59">
@@ -26226,7 +26217,7 @@
             </p:txBody>
           </p:sp>
         </mc:Choice>
-        <mc:Fallback>
+        <mc:Fallback xmlns="">
           <p:sp>
             <p:nvSpPr>
               <p:cNvPr id="24" name="Retângulo 59">
@@ -26378,8 +26369,8 @@
           </a:p>
         </p:txBody>
       </p:sp>
-      <mc:AlternateContent xmlns:mc="http://schemas.openxmlformats.org/markup-compatibility/2006">
-        <mc:Choice xmlns:a14="http://schemas.microsoft.com/office/drawing/2010/main" Requires="a14">
+      <mc:AlternateContent xmlns:mc="http://schemas.openxmlformats.org/markup-compatibility/2006" xmlns:a14="http://schemas.microsoft.com/office/drawing/2010/main">
+        <mc:Choice Requires="a14">
           <p:sp>
             <p:nvSpPr>
               <p:cNvPr id="27" name="Retângulo 62">
@@ -26514,7 +26505,7 @@
             </p:txBody>
           </p:sp>
         </mc:Choice>
-        <mc:Fallback>
+        <mc:Fallback xmlns="">
           <p:sp>
             <p:nvSpPr>
               <p:cNvPr id="27" name="Retângulo 62">
@@ -28276,8 +28267,8 @@
           </a:p>
         </p:txBody>
       </p:sp>
-      <mc:AlternateContent xmlns:mc="http://schemas.openxmlformats.org/markup-compatibility/2006">
-        <mc:Choice xmlns:a14="http://schemas.microsoft.com/office/drawing/2010/main" Requires="a14">
+      <mc:AlternateContent xmlns:mc="http://schemas.openxmlformats.org/markup-compatibility/2006" xmlns:a14="http://schemas.microsoft.com/office/drawing/2010/main">
+        <mc:Choice Requires="a14">
           <p:sp>
             <p:nvSpPr>
               <p:cNvPr id="7" name="Content Placeholder 6">
@@ -28439,7 +28430,7 @@
             </p:txBody>
           </p:sp>
         </mc:Choice>
-        <mc:Fallback>
+        <mc:Fallback xmlns="">
           <p:sp>
             <p:nvSpPr>
               <p:cNvPr id="7" name="Content Placeholder 6">
@@ -28512,8 +28503,8 @@
           </a:p>
         </p:txBody>
       </p:sp>
-      <mc:AlternateContent xmlns:mc="http://schemas.openxmlformats.org/markup-compatibility/2006">
-        <mc:Choice xmlns:a14="http://schemas.microsoft.com/office/drawing/2010/main" Requires="a14">
+      <mc:AlternateContent xmlns:mc="http://schemas.openxmlformats.org/markup-compatibility/2006" xmlns:a14="http://schemas.microsoft.com/office/drawing/2010/main">
+        <mc:Choice Requires="a14">
           <p:sp>
             <p:nvSpPr>
               <p:cNvPr id="9" name="Content Placeholder 8">
@@ -28634,7 +28625,7 @@
             </p:txBody>
           </p:sp>
         </mc:Choice>
-        <mc:Fallback>
+        <mc:Fallback xmlns="">
           <p:sp>
             <p:nvSpPr>
               <p:cNvPr id="9" name="Content Placeholder 8">
@@ -28748,8 +28739,8 @@
           </a:p>
         </p:txBody>
       </p:sp>
-      <mc:AlternateContent xmlns:mc="http://schemas.openxmlformats.org/markup-compatibility/2006">
-        <mc:Choice xmlns:a14="http://schemas.microsoft.com/office/drawing/2010/main" Requires="a14">
+      <mc:AlternateContent xmlns:mc="http://schemas.openxmlformats.org/markup-compatibility/2006" xmlns:a14="http://schemas.microsoft.com/office/drawing/2010/main">
+        <mc:Choice Requires="a14">
           <p:sp>
             <p:nvSpPr>
               <p:cNvPr id="3" name="Content Placeholder 2">
@@ -28836,7 +28827,7 @@
             </p:txBody>
           </p:sp>
         </mc:Choice>
-        <mc:Fallback>
+        <mc:Fallback xmlns="">
           <p:sp>
             <p:nvSpPr>
               <p:cNvPr id="3" name="Content Placeholder 2">
@@ -28935,8 +28926,8 @@
           </a:p>
         </p:txBody>
       </p:sp>
-      <mc:AlternateContent xmlns:mc="http://schemas.openxmlformats.org/markup-compatibility/2006">
-        <mc:Choice xmlns:a14="http://schemas.microsoft.com/office/drawing/2010/main" Requires="a14">
+      <mc:AlternateContent xmlns:mc="http://schemas.openxmlformats.org/markup-compatibility/2006" xmlns:a14="http://schemas.microsoft.com/office/drawing/2010/main">
+        <mc:Choice Requires="a14">
           <p:sp>
             <p:nvSpPr>
               <p:cNvPr id="3" name="Content Placeholder 2">
@@ -29063,13 +29054,7 @@
                         <a:rPr lang="en-US" sz="3600" b="0" i="1" smtClean="0">
                           <a:latin typeface="Cambria Math" panose="02040503050406030204" pitchFamily="18" charset="0"/>
                         </a:rPr>
-                        <m:t>=</m:t>
-                      </m:r>
-                      <m:r>
-                        <a:rPr lang="en-US" sz="3600" b="0" i="1" smtClean="0">
-                          <a:latin typeface="Cambria Math" panose="02040503050406030204" pitchFamily="18" charset="0"/>
-                        </a:rPr>
-                        <m:t>0</m:t>
+                        <m:t>=0</m:t>
                       </m:r>
                     </m:oMath>
                     <m:oMath xmlns:m="http://schemas.openxmlformats.org/officeDocument/2006/math">
@@ -29112,13 +29097,7 @@
                         <a:rPr lang="en-US" sz="3600" b="0" i="1" smtClean="0">
                           <a:latin typeface="Cambria Math" panose="02040503050406030204" pitchFamily="18" charset="0"/>
                         </a:rPr>
-                        <m:t>=</m:t>
-                      </m:r>
-                      <m:r>
-                        <a:rPr lang="en-US" sz="3600" b="0" i="1" smtClean="0">
-                          <a:latin typeface="Cambria Math" panose="02040503050406030204" pitchFamily="18" charset="0"/>
-                        </a:rPr>
-                        <m:t>0</m:t>
+                        <m:t>=0</m:t>
                       </m:r>
                     </m:oMath>
                   </m:oMathPara>
@@ -29220,7 +29199,7 @@
             </p:txBody>
           </p:sp>
         </mc:Choice>
-        <mc:Fallback>
+        <mc:Fallback xmlns="">
           <p:sp>
             <p:nvSpPr>
               <p:cNvPr id="3" name="Content Placeholder 2">
